--- a/low code workflow.pptx
+++ b/low code workflow.pptx
@@ -108,6 +108,11 @@
       </a:defRPr>
     </a:lvl9pPr>
   </p:defaultTextStyle>
+  <p:extLst>
+    <p:ext uri="{EFAFB233-063F-42B5-8137-9DF3F51BA10A}">
+      <p15:sldGuideLst xmlns:p15="http://schemas.microsoft.com/office/powerpoint/2012/main"/>
+    </p:ext>
+  </p:extLst>
 </p:presentation>
 </file>
 
@@ -258,7 +263,7 @@
           <a:p>
             <a:fld id="{A3B3C80C-F9C2-4B7B-A6FE-F96CF6E0970F}" type="datetimeFigureOut">
               <a:rPr lang="en-US" smtClean="0"/>
-              <a:t>6/5/2023</a:t>
+              <a:t>6/6/2023</a:t>
             </a:fld>
             <a:endParaRPr lang="en-US"/>
           </a:p>
@@ -456,7 +461,7 @@
           <a:p>
             <a:fld id="{A3B3C80C-F9C2-4B7B-A6FE-F96CF6E0970F}" type="datetimeFigureOut">
               <a:rPr lang="en-US" smtClean="0"/>
-              <a:t>6/5/2023</a:t>
+              <a:t>6/6/2023</a:t>
             </a:fld>
             <a:endParaRPr lang="en-US"/>
           </a:p>
@@ -664,7 +669,7 @@
           <a:p>
             <a:fld id="{A3B3C80C-F9C2-4B7B-A6FE-F96CF6E0970F}" type="datetimeFigureOut">
               <a:rPr lang="en-US" smtClean="0"/>
-              <a:t>6/5/2023</a:t>
+              <a:t>6/6/2023</a:t>
             </a:fld>
             <a:endParaRPr lang="en-US"/>
           </a:p>
@@ -862,7 +867,7 @@
           <a:p>
             <a:fld id="{A3B3C80C-F9C2-4B7B-A6FE-F96CF6E0970F}" type="datetimeFigureOut">
               <a:rPr lang="en-US" smtClean="0"/>
-              <a:t>6/5/2023</a:t>
+              <a:t>6/6/2023</a:t>
             </a:fld>
             <a:endParaRPr lang="en-US"/>
           </a:p>
@@ -1137,7 +1142,7 @@
           <a:p>
             <a:fld id="{A3B3C80C-F9C2-4B7B-A6FE-F96CF6E0970F}" type="datetimeFigureOut">
               <a:rPr lang="en-US" smtClean="0"/>
-              <a:t>6/5/2023</a:t>
+              <a:t>6/6/2023</a:t>
             </a:fld>
             <a:endParaRPr lang="en-US"/>
           </a:p>
@@ -1402,7 +1407,7 @@
           <a:p>
             <a:fld id="{A3B3C80C-F9C2-4B7B-A6FE-F96CF6E0970F}" type="datetimeFigureOut">
               <a:rPr lang="en-US" smtClean="0"/>
-              <a:t>6/5/2023</a:t>
+              <a:t>6/6/2023</a:t>
             </a:fld>
             <a:endParaRPr lang="en-US"/>
           </a:p>
@@ -1814,7 +1819,7 @@
           <a:p>
             <a:fld id="{A3B3C80C-F9C2-4B7B-A6FE-F96CF6E0970F}" type="datetimeFigureOut">
               <a:rPr lang="en-US" smtClean="0"/>
-              <a:t>6/5/2023</a:t>
+              <a:t>6/6/2023</a:t>
             </a:fld>
             <a:endParaRPr lang="en-US"/>
           </a:p>
@@ -1955,7 +1960,7 @@
           <a:p>
             <a:fld id="{A3B3C80C-F9C2-4B7B-A6FE-F96CF6E0970F}" type="datetimeFigureOut">
               <a:rPr lang="en-US" smtClean="0"/>
-              <a:t>6/5/2023</a:t>
+              <a:t>6/6/2023</a:t>
             </a:fld>
             <a:endParaRPr lang="en-US"/>
           </a:p>
@@ -2068,7 +2073,7 @@
           <a:p>
             <a:fld id="{A3B3C80C-F9C2-4B7B-A6FE-F96CF6E0970F}" type="datetimeFigureOut">
               <a:rPr lang="en-US" smtClean="0"/>
-              <a:t>6/5/2023</a:t>
+              <a:t>6/6/2023</a:t>
             </a:fld>
             <a:endParaRPr lang="en-US"/>
           </a:p>
@@ -2379,7 +2384,7 @@
           <a:p>
             <a:fld id="{A3B3C80C-F9C2-4B7B-A6FE-F96CF6E0970F}" type="datetimeFigureOut">
               <a:rPr lang="en-US" smtClean="0"/>
-              <a:t>6/5/2023</a:t>
+              <a:t>6/6/2023</a:t>
             </a:fld>
             <a:endParaRPr lang="en-US"/>
           </a:p>
@@ -2667,7 +2672,7 @@
           <a:p>
             <a:fld id="{A3B3C80C-F9C2-4B7B-A6FE-F96CF6E0970F}" type="datetimeFigureOut">
               <a:rPr lang="en-US" smtClean="0"/>
-              <a:t>6/5/2023</a:t>
+              <a:t>6/6/2023</a:t>
             </a:fld>
             <a:endParaRPr lang="en-US"/>
           </a:p>
@@ -2908,7 +2913,7 @@
           <a:p>
             <a:fld id="{A3B3C80C-F9C2-4B7B-A6FE-F96CF6E0970F}" type="datetimeFigureOut">
               <a:rPr lang="en-US" smtClean="0"/>
-              <a:t>6/5/2023</a:t>
+              <a:t>6/6/2023</a:t>
             </a:fld>
             <a:endParaRPr lang="en-US"/>
           </a:p>
@@ -3346,7 +3351,10 @@
           <a:bodyPr/>
           <a:lstStyle/>
           <a:p>
-            <a:endParaRPr lang="en-US"/>
+            <a:r>
+              <a:rPr lang="en-US" dirty="0"/>
+              <a:t>Low Code Pipeline</a:t>
+            </a:r>
           </a:p>
         </p:txBody>
       </p:sp>
@@ -3617,22 +3625,56 @@
           </p:cNvPicPr>
           <p:nvPr/>
         </p:nvPicPr>
-        <p:blipFill>
+        <p:blipFill rotWithShape="1">
           <a:blip r:embed="rId2"/>
-          <a:stretch>
-            <a:fillRect/>
-          </a:stretch>
+          <a:srcRect t="18415"/>
+          <a:stretch/>
         </p:blipFill>
         <p:spPr>
           <a:xfrm>
-            <a:off x="755186" y="933872"/>
-            <a:ext cx="10789204" cy="5353325"/>
+            <a:off x="755186" y="1357454"/>
+            <a:ext cx="10234867" cy="4143092"/>
           </a:xfrm>
           <a:prstGeom prst="rect">
             <a:avLst/>
           </a:prstGeom>
         </p:spPr>
       </p:pic>
+      <p:sp>
+        <p:nvSpPr>
+          <p:cNvPr id="3" name="TextBox 2">
+            <a:extLst>
+              <a:ext uri="{FF2B5EF4-FFF2-40B4-BE49-F238E27FC236}">
+                <a16:creationId xmlns:a16="http://schemas.microsoft.com/office/drawing/2014/main" id="{EB0C774C-7626-4F3D-8DEB-DDB06454DD34}"/>
+              </a:ext>
+            </a:extLst>
+          </p:cNvPr>
+          <p:cNvSpPr txBox="1"/>
+          <p:nvPr/>
+        </p:nvSpPr>
+        <p:spPr>
+          <a:xfrm>
+            <a:off x="2584174" y="1694040"/>
+            <a:ext cx="752129" cy="369332"/>
+          </a:xfrm>
+          <a:prstGeom prst="rect">
+            <a:avLst/>
+          </a:prstGeom>
+          <a:noFill/>
+        </p:spPr>
+        <p:txBody>
+          <a:bodyPr wrap="none" rtlCol="0">
+            <a:spAutoFit/>
+          </a:bodyPr>
+          <a:lstStyle/>
+          <a:p>
+            <a:r>
+              <a:rPr lang="en-US" dirty="0"/>
+              <a:t>S3 file</a:t>
+            </a:r>
+          </a:p>
+        </p:txBody>
+      </p:sp>
     </p:spTree>
     <p:extLst>
       <p:ext uri="{BB962C8B-B14F-4D97-AF65-F5344CB8AC3E}">
@@ -3665,10 +3707,10 @@
       </p:grpSpPr>
       <p:pic>
         <p:nvPicPr>
-          <p:cNvPr id="5" name="Picture 4">
-            <a:extLst>
-              <a:ext uri="{FF2B5EF4-FFF2-40B4-BE49-F238E27FC236}">
-                <a16:creationId xmlns:a16="http://schemas.microsoft.com/office/drawing/2014/main" id="{DEF3039D-E629-F9FF-A587-057BCB5593D7}"/>
+          <p:cNvPr id="3" name="Picture 2">
+            <a:extLst>
+              <a:ext uri="{FF2B5EF4-FFF2-40B4-BE49-F238E27FC236}">
+                <a16:creationId xmlns:a16="http://schemas.microsoft.com/office/drawing/2014/main" id="{DE693072-8FAC-0375-6E71-14054C6A6E34}"/>
               </a:ext>
             </a:extLst>
           </p:cNvPr>
@@ -3677,22 +3719,56 @@
           </p:cNvPicPr>
           <p:nvPr/>
         </p:nvPicPr>
-        <p:blipFill>
+        <p:blipFill rotWithShape="1">
           <a:blip r:embed="rId2"/>
-          <a:stretch>
-            <a:fillRect/>
-          </a:stretch>
+          <a:srcRect t="10392"/>
+          <a:stretch/>
         </p:blipFill>
         <p:spPr>
           <a:xfrm>
-            <a:off x="1534627" y="477372"/>
-            <a:ext cx="8933910" cy="6125660"/>
+            <a:off x="1326191" y="964282"/>
+            <a:ext cx="9149068" cy="5893718"/>
           </a:xfrm>
           <a:prstGeom prst="rect">
             <a:avLst/>
           </a:prstGeom>
         </p:spPr>
       </p:pic>
+      <p:sp>
+        <p:nvSpPr>
+          <p:cNvPr id="4" name="Title 1">
+            <a:extLst>
+              <a:ext uri="{FF2B5EF4-FFF2-40B4-BE49-F238E27FC236}">
+                <a16:creationId xmlns:a16="http://schemas.microsoft.com/office/drawing/2014/main" id="{F7B35F5B-F4D9-3AE7-6657-0455C69D4C31}"/>
+              </a:ext>
+            </a:extLst>
+          </p:cNvPr>
+          <p:cNvSpPr>
+            <a:spLocks noGrp="1"/>
+          </p:cNvSpPr>
+          <p:nvPr>
+            <p:ph type="title"/>
+          </p:nvPr>
+        </p:nvSpPr>
+        <p:spPr>
+          <a:xfrm>
+            <a:off x="683559" y="67235"/>
+            <a:ext cx="10416988" cy="759759"/>
+          </a:xfrm>
+        </p:spPr>
+        <p:txBody>
+          <a:bodyPr>
+            <a:normAutofit/>
+          </a:bodyPr>
+          <a:lstStyle/>
+          <a:p>
+            <a:r>
+              <a:rPr lang="en-US" sz="3600" dirty="0"/>
+              <a:t>More complicated example</a:t>
+            </a:r>
+          </a:p>
+        </p:txBody>
+      </p:sp>
     </p:spTree>
     <p:extLst>
       <p:ext uri="{BB962C8B-B14F-4D97-AF65-F5344CB8AC3E}">
